--- a/Django Features and Libraries/week3/login_add_delete_Week3.pptx
+++ b/Django Features and Libraries/week3/login_add_delete_Week3.pptx
@@ -226,7 +226,7 @@
           <a:p>
             <a:fld id="{C97B56FC-7D2E-F343-9D09-0D14B00AA564}" type="datetimeFigureOut">
               <a:rPr lang="en-US" smtClean="0"/>
-              <a:t>8/8/2021</a:t>
+              <a:t>8/21/2021</a:t>
             </a:fld>
             <a:endParaRPr lang="en-US"/>
           </a:p>
@@ -802,7 +802,73 @@
           <a:bodyPr/>
           <a:lstStyle/>
           <a:p>
-            <a:endParaRPr lang="en-US"/>
+            <a:r>
+              <a:rPr lang="en-US" dirty="0">
+                <a:solidFill>
+                  <a:srgbClr val="C1651C"/>
+                </a:solidFill>
+                <a:latin typeface="Courier" charset="0"/>
+                <a:ea typeface="Courier" charset="0"/>
+                <a:cs typeface="Courier" charset="0"/>
+              </a:rPr>
+              <a:t>return</a:t>
+            </a:r>
+            <a:r>
+              <a:rPr lang="en-US" dirty="0">
+                <a:solidFill>
+                  <a:srgbClr val="000000"/>
+                </a:solidFill>
+                <a:latin typeface="Courier" charset="0"/>
+                <a:ea typeface="Courier" charset="0"/>
+                <a:cs typeface="Courier" charset="0"/>
+              </a:rPr>
+              <a:t> </a:t>
+            </a:r>
+            <a:r>
+              <a:rPr lang="en-US" dirty="0" err="1">
+                <a:solidFill>
+                  <a:srgbClr val="000000"/>
+                </a:solidFill>
+                <a:latin typeface="Courier" charset="0"/>
+                <a:ea typeface="Courier" charset="0"/>
+                <a:cs typeface="Courier" charset="0"/>
+              </a:rPr>
+              <a:t>HttpResponse</a:t>
+            </a:r>
+            <a:r>
+              <a:rPr lang="en-US" dirty="0">
+                <a:solidFill>
+                  <a:srgbClr val="000000"/>
+                </a:solidFill>
+                <a:latin typeface="Courier" charset="0"/>
+                <a:ea typeface="Courier" charset="0"/>
+                <a:cs typeface="Courier" charset="0"/>
+              </a:rPr>
+              <a:t>(</a:t>
+            </a:r>
+            <a:r>
+              <a:rPr lang="en-US" dirty="0" err="1">
+                <a:solidFill>
+                  <a:srgbClr val="000000"/>
+                </a:solidFill>
+                <a:latin typeface="Courier" charset="0"/>
+                <a:ea typeface="Courier" charset="0"/>
+                <a:cs typeface="Courier" charset="0"/>
+              </a:rPr>
+              <a:t>form.as_table</a:t>
+            </a:r>
+            <a:r>
+              <a:rPr lang="en-US" dirty="0">
+                <a:solidFill>
+                  <a:srgbClr val="000000"/>
+                </a:solidFill>
+                <a:latin typeface="Courier" charset="0"/>
+                <a:ea typeface="Courier" charset="0"/>
+                <a:cs typeface="Courier" charset="0"/>
+              </a:rPr>
+              <a:t>()) helps to generate html as shown on the right</a:t>
+            </a:r>
+            <a:endParaRPr lang="en-US" dirty="0"/>
           </a:p>
         </p:txBody>
       </p:sp>
@@ -823,7 +889,7 @@
           <a:p>
             <a:fld id="{0E6D6606-78EC-E24C-A3B3-B3666C6F492D}" type="slidenum">
               <a:rPr lang="en-US" smtClean="0"/>
-              <a:t>20</a:t>
+              <a:t>12</a:t>
             </a:fld>
             <a:endParaRPr lang="en-US"/>
           </a:p>
@@ -832,7 +898,7 @@
     </p:spTree>
     <p:extLst>
       <p:ext uri="{BB962C8B-B14F-4D97-AF65-F5344CB8AC3E}">
-        <p14:creationId xmlns:p14="http://schemas.microsoft.com/office/powerpoint/2010/main" val="1197766147"/>
+        <p14:creationId xmlns:p14="http://schemas.microsoft.com/office/powerpoint/2010/main" val="3181516748"/>
       </p:ext>
     </p:extLst>
   </p:cSld>
@@ -907,7 +973,7 @@
           <a:p>
             <a:fld id="{0E6D6606-78EC-E24C-A3B3-B3666C6F492D}" type="slidenum">
               <a:rPr lang="en-US" smtClean="0"/>
-              <a:t>21</a:t>
+              <a:t>20</a:t>
             </a:fld>
             <a:endParaRPr lang="en-US"/>
           </a:p>
@@ -916,7 +982,7 @@
     </p:spTree>
     <p:extLst>
       <p:ext uri="{BB962C8B-B14F-4D97-AF65-F5344CB8AC3E}">
-        <p14:creationId xmlns:p14="http://schemas.microsoft.com/office/powerpoint/2010/main" val="879454454"/>
+        <p14:creationId xmlns:p14="http://schemas.microsoft.com/office/powerpoint/2010/main" val="1197766147"/>
       </p:ext>
     </p:extLst>
   </p:cSld>
@@ -991,7 +1057,7 @@
           <a:p>
             <a:fld id="{0E6D6606-78EC-E24C-A3B3-B3666C6F492D}" type="slidenum">
               <a:rPr lang="en-US" smtClean="0"/>
-              <a:t>22</a:t>
+              <a:t>21</a:t>
             </a:fld>
             <a:endParaRPr lang="en-US"/>
           </a:p>
@@ -1000,7 +1066,7 @@
     </p:spTree>
     <p:extLst>
       <p:ext uri="{BB962C8B-B14F-4D97-AF65-F5344CB8AC3E}">
-        <p14:creationId xmlns:p14="http://schemas.microsoft.com/office/powerpoint/2010/main" val="789585086"/>
+        <p14:creationId xmlns:p14="http://schemas.microsoft.com/office/powerpoint/2010/main" val="879454454"/>
       </p:ext>
     </p:extLst>
   </p:cSld>
@@ -1075,7 +1141,7 @@
           <a:p>
             <a:fld id="{0E6D6606-78EC-E24C-A3B3-B3666C6F492D}" type="slidenum">
               <a:rPr lang="en-US" smtClean="0"/>
-              <a:t>26</a:t>
+              <a:t>22</a:t>
             </a:fld>
             <a:endParaRPr lang="en-US"/>
           </a:p>
@@ -1084,7 +1150,7 @@
     </p:spTree>
     <p:extLst>
       <p:ext uri="{BB962C8B-B14F-4D97-AF65-F5344CB8AC3E}">
-        <p14:creationId xmlns:p14="http://schemas.microsoft.com/office/powerpoint/2010/main" val="2414849539"/>
+        <p14:creationId xmlns:p14="http://schemas.microsoft.com/office/powerpoint/2010/main" val="789585086"/>
       </p:ext>
     </p:extLst>
   </p:cSld>
@@ -1159,6 +1225,90 @@
           <a:p>
             <a:fld id="{0E6D6606-78EC-E24C-A3B3-B3666C6F492D}" type="slidenum">
               <a:rPr lang="en-US" smtClean="0"/>
+              <a:t>26</a:t>
+            </a:fld>
+            <a:endParaRPr lang="en-US"/>
+          </a:p>
+        </p:txBody>
+      </p:sp>
+    </p:spTree>
+    <p:extLst>
+      <p:ext uri="{BB962C8B-B14F-4D97-AF65-F5344CB8AC3E}">
+        <p14:creationId xmlns:p14="http://schemas.microsoft.com/office/powerpoint/2010/main" val="2414849539"/>
+      </p:ext>
+    </p:extLst>
+  </p:cSld>
+  <p:clrMapOvr>
+    <a:masterClrMapping/>
+  </p:clrMapOvr>
+</p:notes>
+</file>
+
+<file path=ppt/notesSlides/notesSlide8.xml><?xml version="1.0" encoding="utf-8"?>
+<p:notes xmlns:a="http://schemas.openxmlformats.org/drawingml/2006/main" xmlns:r="http://schemas.openxmlformats.org/officeDocument/2006/relationships" xmlns:p="http://schemas.openxmlformats.org/presentationml/2006/main">
+  <p:cSld>
+    <p:spTree>
+      <p:nvGrpSpPr>
+        <p:cNvPr id="1" name=""/>
+        <p:cNvGrpSpPr/>
+        <p:nvPr/>
+      </p:nvGrpSpPr>
+      <p:grpSpPr>
+        <a:xfrm>
+          <a:off x="0" y="0"/>
+          <a:ext cx="0" cy="0"/>
+          <a:chOff x="0" y="0"/>
+          <a:chExt cx="0" cy="0"/>
+        </a:xfrm>
+      </p:grpSpPr>
+      <p:sp>
+        <p:nvSpPr>
+          <p:cNvPr id="2" name="Slide Image Placeholder 1"/>
+          <p:cNvSpPr>
+            <a:spLocks noGrp="1" noRot="1" noChangeAspect="1"/>
+          </p:cNvSpPr>
+          <p:nvPr>
+            <p:ph type="sldImg"/>
+          </p:nvPr>
+        </p:nvSpPr>
+        <p:spPr/>
+      </p:sp>
+      <p:sp>
+        <p:nvSpPr>
+          <p:cNvPr id="3" name="Notes Placeholder 2"/>
+          <p:cNvSpPr>
+            <a:spLocks noGrp="1"/>
+          </p:cNvSpPr>
+          <p:nvPr>
+            <p:ph type="body" idx="1"/>
+          </p:nvPr>
+        </p:nvSpPr>
+        <p:spPr/>
+        <p:txBody>
+          <a:bodyPr/>
+          <a:lstStyle/>
+          <a:p>
+            <a:endParaRPr lang="en-US"/>
+          </a:p>
+        </p:txBody>
+      </p:sp>
+      <p:sp>
+        <p:nvSpPr>
+          <p:cNvPr id="4" name="Slide Number Placeholder 3"/>
+          <p:cNvSpPr>
+            <a:spLocks noGrp="1"/>
+          </p:cNvSpPr>
+          <p:nvPr>
+            <p:ph type="sldNum" sz="quarter" idx="5"/>
+          </p:nvPr>
+        </p:nvSpPr>
+        <p:spPr/>
+        <p:txBody>
+          <a:bodyPr/>
+          <a:lstStyle/>
+          <a:p>
+            <a:fld id="{0E6D6606-78EC-E24C-A3B3-B3666C6F492D}" type="slidenum">
+              <a:rPr lang="en-US" smtClean="0"/>
               <a:t>27</a:t>
             </a:fld>
             <a:endParaRPr lang="en-US"/>
@@ -1308,7 +1458,7 @@
           <a:p>
             <a:fld id="{EEE7C04C-7AF8-1445-A186-502B631B934F}" type="datetimeFigureOut">
               <a:rPr lang="en-US" smtClean="0"/>
-              <a:t>8/8/2021</a:t>
+              <a:t>8/21/2021</a:t>
             </a:fld>
             <a:endParaRPr lang="en-US"/>
           </a:p>
@@ -1473,7 +1623,7 @@
           <a:p>
             <a:fld id="{EEE7C04C-7AF8-1445-A186-502B631B934F}" type="datetimeFigureOut">
               <a:rPr lang="en-US" smtClean="0"/>
-              <a:t>8/8/2021</a:t>
+              <a:t>8/21/2021</a:t>
             </a:fld>
             <a:endParaRPr lang="en-US"/>
           </a:p>
@@ -1648,7 +1798,7 @@
           <a:p>
             <a:fld id="{EEE7C04C-7AF8-1445-A186-502B631B934F}" type="datetimeFigureOut">
               <a:rPr lang="en-US" smtClean="0"/>
-              <a:t>8/8/2021</a:t>
+              <a:t>8/21/2021</a:t>
             </a:fld>
             <a:endParaRPr lang="en-US"/>
           </a:p>
@@ -1813,7 +1963,7 @@
           <a:p>
             <a:fld id="{EEE7C04C-7AF8-1445-A186-502B631B934F}" type="datetimeFigureOut">
               <a:rPr lang="en-US" smtClean="0"/>
-              <a:t>8/8/2021</a:t>
+              <a:t>8/21/2021</a:t>
             </a:fld>
             <a:endParaRPr lang="en-US"/>
           </a:p>
@@ -2054,7 +2204,7 @@
           <a:p>
             <a:fld id="{EEE7C04C-7AF8-1445-A186-502B631B934F}" type="datetimeFigureOut">
               <a:rPr lang="en-US" smtClean="0"/>
-              <a:t>8/8/2021</a:t>
+              <a:t>8/21/2021</a:t>
             </a:fld>
             <a:endParaRPr lang="en-US"/>
           </a:p>
@@ -2281,7 +2431,7 @@
           <a:p>
             <a:fld id="{EEE7C04C-7AF8-1445-A186-502B631B934F}" type="datetimeFigureOut">
               <a:rPr lang="en-US" smtClean="0"/>
-              <a:t>8/8/2021</a:t>
+              <a:t>8/21/2021</a:t>
             </a:fld>
             <a:endParaRPr lang="en-US"/>
           </a:p>
@@ -2643,7 +2793,7 @@
           <a:p>
             <a:fld id="{EEE7C04C-7AF8-1445-A186-502B631B934F}" type="datetimeFigureOut">
               <a:rPr lang="en-US" smtClean="0"/>
-              <a:t>8/8/2021</a:t>
+              <a:t>8/21/2021</a:t>
             </a:fld>
             <a:endParaRPr lang="en-US"/>
           </a:p>
@@ -2756,7 +2906,7 @@
           <a:p>
             <a:fld id="{EEE7C04C-7AF8-1445-A186-502B631B934F}" type="datetimeFigureOut">
               <a:rPr lang="en-US" smtClean="0"/>
-              <a:t>8/8/2021</a:t>
+              <a:t>8/21/2021</a:t>
             </a:fld>
             <a:endParaRPr lang="en-US"/>
           </a:p>
@@ -2846,7 +2996,7 @@
           <a:p>
             <a:fld id="{EEE7C04C-7AF8-1445-A186-502B631B934F}" type="datetimeFigureOut">
               <a:rPr lang="en-US" smtClean="0"/>
-              <a:t>8/8/2021</a:t>
+              <a:t>8/21/2021</a:t>
             </a:fld>
             <a:endParaRPr lang="en-US"/>
           </a:p>
@@ -3118,7 +3268,7 @@
           <a:p>
             <a:fld id="{EEE7C04C-7AF8-1445-A186-502B631B934F}" type="datetimeFigureOut">
               <a:rPr lang="en-US" smtClean="0"/>
-              <a:t>8/8/2021</a:t>
+              <a:t>8/21/2021</a:t>
             </a:fld>
             <a:endParaRPr lang="en-US"/>
           </a:p>
@@ -3370,7 +3520,7 @@
           <a:p>
             <a:fld id="{EEE7C04C-7AF8-1445-A186-502B631B934F}" type="datetimeFigureOut">
               <a:rPr lang="en-US" smtClean="0"/>
-              <a:t>8/8/2021</a:t>
+              <a:t>8/21/2021</a:t>
             </a:fld>
             <a:endParaRPr lang="en-US"/>
           </a:p>
@@ -3577,7 +3727,7 @@
           <a:p>
             <a:fld id="{EEE7C04C-7AF8-1445-A186-502B631B934F}" type="datetimeFigureOut">
               <a:rPr lang="en-US" smtClean="0"/>
-              <a:t>8/8/2021</a:t>
+              <a:t>8/21/2021</a:t>
             </a:fld>
             <a:endParaRPr lang="en-US"/>
           </a:p>
@@ -7040,6 +7190,88 @@
           </a:p>
         </p:txBody>
       </p:sp>
+      <p:cxnSp>
+        <p:nvCxnSpPr>
+          <p:cNvPr id="16" name="Straight Arrow Connector 15">
+            <a:extLst>
+              <a:ext uri="{FF2B5EF4-FFF2-40B4-BE49-F238E27FC236}">
+                <a16:creationId xmlns:a16="http://schemas.microsoft.com/office/drawing/2014/main" id="{CE37A690-BA79-425C-9520-F50911BF5EB8}"/>
+              </a:ext>
+            </a:extLst>
+          </p:cNvPr>
+          <p:cNvCxnSpPr>
+            <a:cxnSpLocks/>
+          </p:cNvCxnSpPr>
+          <p:nvPr/>
+        </p:nvCxnSpPr>
+        <p:spPr>
+          <a:xfrm flipV="1">
+            <a:off x="8704613" y="5255168"/>
+            <a:ext cx="225632" cy="1466266"/>
+          </a:xfrm>
+          <a:prstGeom prst="straightConnector1">
+            <a:avLst/>
+          </a:prstGeom>
+          <a:ln>
+            <a:tailEnd type="triangle"/>
+          </a:ln>
+        </p:spPr>
+        <p:style>
+          <a:lnRef idx="1">
+            <a:schemeClr val="accent1"/>
+          </a:lnRef>
+          <a:fillRef idx="0">
+            <a:schemeClr val="accent1"/>
+          </a:fillRef>
+          <a:effectRef idx="0">
+            <a:schemeClr val="accent1"/>
+          </a:effectRef>
+          <a:fontRef idx="minor">
+            <a:schemeClr val="tx1"/>
+          </a:fontRef>
+        </p:style>
+      </p:cxnSp>
+      <p:cxnSp>
+        <p:nvCxnSpPr>
+          <p:cNvPr id="22" name="Straight Arrow Connector 21">
+            <a:extLst>
+              <a:ext uri="{FF2B5EF4-FFF2-40B4-BE49-F238E27FC236}">
+                <a16:creationId xmlns:a16="http://schemas.microsoft.com/office/drawing/2014/main" id="{AD80DC0C-C315-4E26-A7C6-A66FBC43526B}"/>
+              </a:ext>
+            </a:extLst>
+          </p:cNvPr>
+          <p:cNvCxnSpPr>
+            <a:cxnSpLocks/>
+          </p:cNvCxnSpPr>
+          <p:nvPr/>
+        </p:nvCxnSpPr>
+        <p:spPr>
+          <a:xfrm flipV="1">
+            <a:off x="3063834" y="5376732"/>
+            <a:ext cx="1686296" cy="1481268"/>
+          </a:xfrm>
+          <a:prstGeom prst="straightConnector1">
+            <a:avLst/>
+          </a:prstGeom>
+          <a:ln>
+            <a:tailEnd type="triangle"/>
+          </a:ln>
+        </p:spPr>
+        <p:style>
+          <a:lnRef idx="1">
+            <a:schemeClr val="accent1"/>
+          </a:lnRef>
+          <a:fillRef idx="0">
+            <a:schemeClr val="accent1"/>
+          </a:fillRef>
+          <a:effectRef idx="0">
+            <a:schemeClr val="accent1"/>
+          </a:effectRef>
+          <a:fontRef idx="minor">
+            <a:schemeClr val="tx1"/>
+          </a:fontRef>
+        </p:style>
+      </p:cxnSp>
     </p:spTree>
     <p:extLst>
       <p:ext uri="{BB962C8B-B14F-4D97-AF65-F5344CB8AC3E}">
